--- a/LTKHDL.pptx
+++ b/LTKHDL.pptx
@@ -324,6 +324,14 @@
     </p:ext>
   </p:extLst>
 </p:presentation>
+</file>
+
+<file path=ppt/revisionInfo.xml><?xml version="1.0" encoding="utf-8"?>
+<p1510:revInfo xmlns:a="http://schemas.openxmlformats.org/drawingml/2006/main" xmlns:r="http://schemas.openxmlformats.org/officeDocument/2006/relationships" xmlns:p1510="http://schemas.microsoft.com/office/powerpoint/2015/10/main">
+  <p1510:revLst>
+    <p1510:client id="{22D9843D-0FF9-4ABB-BEEB-E6EEACB637F6}" v="1" dt="2022-12-16T17:36:58.324"/>
+  </p1510:revLst>
+</p1510:revInfo>
 </file>
 
 <file path=ppt/notesMasters/notesMaster1.xml><?xml version="1.0" encoding="utf-8"?>
@@ -42154,70 +42162,6 @@
           <a:chExt cx="0" cy="0"/>
         </a:xfrm>
       </p:grpSpPr>
-      <p:pic>
-        <p:nvPicPr>
-          <p:cNvPr id="18434" name="Picture 2"/>
-          <p:cNvPicPr>
-            <a:picLocks noChangeAspect="1" noChangeArrowheads="1"/>
-          </p:cNvPicPr>
-          <p:nvPr/>
-        </p:nvPicPr>
-        <p:blipFill>
-          <a:blip r:embed="rId3">
-            <a:extLst>
-              <a:ext uri="{28A0092B-C50C-407E-A947-70E740481C1C}">
-                <a14:useLocalDpi xmlns:a14="http://schemas.microsoft.com/office/drawing/2010/main" val="0"/>
-              </a:ext>
-            </a:extLst>
-          </a:blip>
-          <a:srcRect/>
-          <a:stretch>
-            <a:fillRect/>
-          </a:stretch>
-        </p:blipFill>
-        <p:spPr bwMode="auto">
-          <a:xfrm>
-            <a:off x="954347" y="805670"/>
-            <a:ext cx="6002409" cy="5184581"/>
-          </a:xfrm>
-          <a:prstGeom prst="rect">
-            <a:avLst/>
-          </a:prstGeom>
-          <a:noFill/>
-          <a:ln>
-            <a:noFill/>
-          </a:ln>
-          <a:effectLst/>
-          <a:extLst>
-            <a:ext uri="{909E8E84-426E-40DD-AFC4-6F175D3DCCD1}">
-              <a14:hiddenFill xmlns:a14="http://schemas.microsoft.com/office/drawing/2010/main">
-                <a:solidFill>
-                  <a:schemeClr val="accent1"/>
-                </a:solidFill>
-              </a14:hiddenFill>
-            </a:ext>
-            <a:ext uri="{91240B29-F687-4F45-9708-019B960494DF}">
-              <a14:hiddenLine xmlns:a14="http://schemas.microsoft.com/office/drawing/2010/main" w="9525">
-                <a:solidFill>
-                  <a:schemeClr val="tx1"/>
-                </a:solidFill>
-                <a:miter lim="800000"/>
-                <a:headEnd/>
-                <a:tailEnd/>
-              </a14:hiddenLine>
-            </a:ext>
-            <a:ext uri="{AF507438-7753-43E0-B8FC-AC1667EBCBE1}">
-              <a14:hiddenEffects xmlns:a14="http://schemas.microsoft.com/office/drawing/2010/main">
-                <a:effectLst>
-                  <a:outerShdw dist="35921" dir="2700000" algn="ctr" rotWithShape="0">
-                    <a:schemeClr val="bg2"/>
-                  </a:outerShdw>
-                </a:effectLst>
-              </a14:hiddenEffects>
-            </a:ext>
-          </a:extLst>
-        </p:spPr>
-      </p:pic>
       <p:sp>
         <p:nvSpPr>
           <p:cNvPr id="2" name="Rectangle 1"/>
@@ -42322,6 +42266,36 @@
           </a:p>
         </p:txBody>
       </p:sp>
+      <p:pic>
+        <p:nvPicPr>
+          <p:cNvPr id="6" name="Picture 5">
+            <a:extLst>
+              <a:ext uri="{FF2B5EF4-FFF2-40B4-BE49-F238E27FC236}">
+                <a16:creationId xmlns:a16="http://schemas.microsoft.com/office/drawing/2014/main" id="{F5B2D684-E07E-FE9D-DA4C-4A36CFB08E28}"/>
+              </a:ext>
+            </a:extLst>
+          </p:cNvPr>
+          <p:cNvPicPr>
+            <a:picLocks noChangeAspect="1"/>
+          </p:cNvPicPr>
+          <p:nvPr/>
+        </p:nvPicPr>
+        <p:blipFill>
+          <a:blip r:embed="rId3"/>
+          <a:stretch>
+            <a:fillRect/>
+          </a:stretch>
+        </p:blipFill>
+        <p:spPr>
+          <a:xfrm>
+            <a:off x="554224" y="1692791"/>
+            <a:ext cx="6402532" cy="2800767"/>
+          </a:xfrm>
+          <a:prstGeom prst="rect">
+            <a:avLst/>
+          </a:prstGeom>
+        </p:spPr>
+      </p:pic>
     </p:spTree>
   </p:cSld>
   <p:clrMapOvr>

--- a/LTKHDL.pptx
+++ b/LTKHDL.pptx
@@ -38402,7 +38402,26 @@
                 </a:solidFill>
                 <a:latin typeface="+mj-lt"/>
               </a:rPr>
-              <a:t>• company_id: ID của tông ty </a:t>
+              <a:t>• company_id: ID của </a:t>
+            </a:r>
+            <a:r>
+              <a:rPr lang="en-US" sz="1600" dirty="0">
+                <a:solidFill>
+                  <a:schemeClr val="tx1"/>
+                </a:solidFill>
+                <a:latin typeface="Times New Roman" panose="02020603050405020304" pitchFamily="18" charset="0"/>
+                <a:cs typeface="Times New Roman" panose="02020603050405020304" pitchFamily="18" charset="0"/>
+              </a:rPr>
+              <a:t>c</a:t>
+            </a:r>
+            <a:r>
+              <a:rPr lang="vi-VN" sz="1600" dirty="0">
+                <a:solidFill>
+                  <a:schemeClr val="tx1"/>
+                </a:solidFill>
+                <a:latin typeface="+mj-lt"/>
+              </a:rPr>
+              <a:t>ông ty </a:t>
             </a:r>
             <a:endParaRPr lang="en-US" sz="1600" dirty="0">
               <a:solidFill>
@@ -39214,7 +39233,34 @@
               <a:rPr lang="vi-VN" sz="1600" dirty="0">
                 <a:latin typeface="+mj-lt"/>
               </a:rPr>
-              <a:t>• Tên của các cột là tên của các cột số trong `survey_df` </a:t>
+              <a:t>• Tên của các cột là tên của các cột số trong </a:t>
+            </a:r>
+            <a:r>
+              <a:rPr lang="vi-VN" sz="1600" dirty="0">
+                <a:latin typeface="Times New Roman" panose="02020603050405020304" pitchFamily="18" charset="0"/>
+                <a:cs typeface="Times New Roman" panose="02020603050405020304" pitchFamily="18" charset="0"/>
+              </a:rPr>
+              <a:t>`</a:t>
+            </a:r>
+            <a:r>
+              <a:rPr lang="en-US" sz="1600" dirty="0" err="1">
+                <a:latin typeface="Times New Roman" panose="02020603050405020304" pitchFamily="18" charset="0"/>
+                <a:cs typeface="Times New Roman" panose="02020603050405020304" pitchFamily="18" charset="0"/>
+              </a:rPr>
+              <a:t>df_companies</a:t>
+            </a:r>
+            <a:r>
+              <a:rPr lang="vi-VN" sz="1600" dirty="0">
+                <a:latin typeface="Times New Roman" panose="02020603050405020304" pitchFamily="18" charset="0"/>
+                <a:cs typeface="Times New Roman" panose="02020603050405020304" pitchFamily="18" charset="0"/>
+              </a:rPr>
+              <a:t>`</a:t>
+            </a:r>
+            <a:r>
+              <a:rPr lang="vi-VN" sz="1600" dirty="0">
+                <a:latin typeface="+mj-lt"/>
+              </a:rPr>
+              <a:t> </a:t>
             </a:r>
             <a:endParaRPr lang="en-US" sz="1600" dirty="0">
               <a:latin typeface="+mj-lt"/>
@@ -42258,7 +42304,19 @@
               <a:rPr lang="vi-VN" sz="1600" dirty="0">
                 <a:latin typeface="+mj-lt"/>
               </a:rPr>
-              <a:t>: cho chúng ta nắm được số lượng những công ty có thể xem là bigtech của một quốc gia là bao nhiêu, và cũng cho ta nắm được xem thị trường tuyển dụng nào là đông đảo nhất với một thị trường outsourecing như Việt Nam.</a:t>
+              <a:t>: cho chúng ta nắm được số lượng những công ty có thể xem là bigtech của một quốc gia là bao nhiêu, và cũng cho ta nắm được xem thị trường tuyển dụng nào là đông đảo nhất với một thị trường </a:t>
+            </a:r>
+            <a:r>
+              <a:rPr lang="vi-VN" sz="1600" dirty="0" err="1">
+                <a:latin typeface="+mj-lt"/>
+              </a:rPr>
+              <a:t>outsourcing</a:t>
+            </a:r>
+            <a:r>
+              <a:rPr lang="vi-VN" sz="1600" dirty="0">
+                <a:latin typeface="+mj-lt"/>
+              </a:rPr>
+              <a:t> như Việt Nam.</a:t>
             </a:r>
             <a:endParaRPr lang="en-US" sz="1600" dirty="0">
               <a:latin typeface="+mj-lt"/>
